--- a/Meetings & Official Documents/20180528_Meeting14.pptx
+++ b/Meetings & Official Documents/20180528_Meeting14.pptx
@@ -6059,13 +6059,8 @@
             </a:r>
             <a:r>
               <a:rPr lang="nl-BE" dirty="0"/>
-              <a:t>, </a:t>
-            </a:r>
-            <a:r>
-              <a:rPr lang="nl-BE"/>
-              <a:t>maximum deficit</a:t>
-            </a:r>
-            <a:endParaRPr lang="nl-BE" dirty="0"/>
+              <a:t>, maximum deficit</a:t>
+            </a:r>
           </a:p>
           <a:p>
             <a:pPr lvl="1"/>
@@ -9141,8 +9136,8 @@
           </a:p>
         </p:txBody>
       </p:sp>
-      <mc:AlternateContent xmlns:mc="http://schemas.openxmlformats.org/markup-compatibility/2006">
-        <mc:Choice xmlns:a14="http://schemas.microsoft.com/office/drawing/2010/main" Requires="a14">
+      <mc:AlternateContent xmlns:mc="http://schemas.openxmlformats.org/markup-compatibility/2006" xmlns:a14="http://schemas.microsoft.com/office/drawing/2010/main">
+        <mc:Choice Requires="a14">
           <p:sp>
             <p:nvSpPr>
               <p:cNvPr id="6" name="Tekstvak 5">
@@ -9349,7 +9344,7 @@
             </p:txBody>
           </p:sp>
         </mc:Choice>
-        <mc:Fallback>
+        <mc:Fallback xmlns="">
           <p:sp>
             <p:nvSpPr>
               <p:cNvPr id="6" name="Tekstvak 5">
@@ -9640,8 +9635,8 @@
           </a:fontRef>
         </p:style>
       </p:cxnSp>
-      <mc:AlternateContent xmlns:mc="http://schemas.openxmlformats.org/markup-compatibility/2006">
-        <mc:Choice xmlns:a14="http://schemas.microsoft.com/office/drawing/2010/main" Requires="a14">
+      <mc:AlternateContent xmlns:mc="http://schemas.openxmlformats.org/markup-compatibility/2006" xmlns:a14="http://schemas.microsoft.com/office/drawing/2010/main">
+        <mc:Choice Requires="a14">
           <p:sp>
             <p:nvSpPr>
               <p:cNvPr id="7" name="Tekstvak 6">
@@ -9848,7 +9843,7 @@
             </p:txBody>
           </p:sp>
         </mc:Choice>
-        <mc:Fallback>
+        <mc:Fallback xmlns="">
           <p:sp>
             <p:nvSpPr>
               <p:cNvPr id="7" name="Tekstvak 6">
@@ -9987,6 +9982,29 @@
             <a:r>
               <a:rPr lang="nl-BE" dirty="0"/>
               <a:t> BEACon</a:t>
+            </a:r>
+          </a:p>
+          <a:p>
+            <a:pPr lvl="1"/>
+            <a:r>
+              <a:rPr lang="nl-BE" dirty="0"/>
+              <a:t>More </a:t>
+            </a:r>
+            <a:r>
+              <a:rPr lang="nl-BE" dirty="0" err="1"/>
+              <a:t>than</a:t>
+            </a:r>
+            <a:r>
+              <a:rPr lang="nl-BE" dirty="0"/>
+              <a:t> 2,5 </a:t>
+            </a:r>
+            <a:r>
+              <a:rPr lang="nl-BE" dirty="0" err="1"/>
+              <a:t>wakes</a:t>
+            </a:r>
+            <a:r>
+              <a:rPr lang="nl-BE" dirty="0"/>
+              <a:t>?</a:t>
             </a:r>
           </a:p>
           <a:p>
@@ -11550,7 +11568,7 @@
         </p:blipFill>
         <p:spPr>
           <a:xfrm>
-            <a:off x="6072290" y="1900237"/>
+            <a:off x="6072290" y="1939149"/>
             <a:ext cx="6000750" cy="4556395"/>
           </a:xfrm>
           <a:prstGeom prst="rect">
